--- a/Calendario2024/Presentaciones/7_5_Ruteo_dinamico_OSPF.pptx
+++ b/Calendario2024/Presentaciones/7_5_Ruteo_dinamico_OSPF.pptx
@@ -265,7 +265,7 @@
             <a:fld id="{136337D9-3022-3D41-8D8A-BDF2F3B0DD8E}" type="datetimeFigureOut">
               <a:rPr lang="en-US" smtClean="0"/>
               <a:pPr/>
-              <a:t>9/3/2023</a:t>
+              <a:t>3/10/2024</a:t>
             </a:fld>
             <a:endParaRPr lang="es-ES" dirty="0"/>
           </a:p>
@@ -424,7 +424,7 @@
             <a:fld id="{5641018C-6CAF-B84E-B92C-ECB119457FBA}" type="slidenum">
               <a:rPr lang="en-US" smtClean="0"/>
               <a:pPr/>
-              <a:t>‹Nº›</a:t>
+              <a:t>‹#›</a:t>
             </a:fld>
             <a:endParaRPr lang="es-ES" dirty="0"/>
           </a:p>
@@ -13907,7 +13907,7 @@
               <a:pPr defTabSz="385763">
                 <a:defRPr/>
               </a:pPr>
-              <a:t>‹Nº›</a:t>
+              <a:t>‹#›</a:t>
             </a:fld>
             <a:endParaRPr lang="en-US" kern="0" dirty="0">
               <a:solidFill>
@@ -14523,7 +14523,7 @@
                   <a:spcPct val="100000"/>
                 </a:lnSpc>
               </a:pPr>
-              <a:t>‹Nº›</a:t>
+              <a:t>‹#›</a:t>
             </a:fld>
             <a:endParaRPr lang="es-ES" sz="750" dirty="0">
               <a:solidFill>
@@ -19645,7 +19645,7 @@
                 </a:spcAft>
                 <a:defRPr/>
               </a:pPr>
-              <a:t>‹Nº›</a:t>
+              <a:t>‹#›</a:t>
             </a:fld>
             <a:endParaRPr lang="es-ES" sz="600" dirty="0">
               <a:solidFill>
@@ -26173,7 +26173,7 @@
                 </a:spcAft>
                 <a:defRPr/>
               </a:pPr>
-              <a:t>‹Nº›</a:t>
+              <a:t>‹#›</a:t>
             </a:fld>
             <a:endParaRPr lang="es-ES" sz="600" dirty="0">
               <a:solidFill>
@@ -30345,7 +30345,7 @@
             </a:pPr>
             <a:r>
               <a:rPr lang="es-ES" sz="1600" dirty="0"/>
-              <a:t>El envío de mensajes innecesarios en una LAN afecta la red de tres maneras:</a:t>
+              <a:t>El envío de mensajes innecesarios en una LAN afecta la red de dos maneras:</a:t>
             </a:r>
           </a:p>
           <a:p>
@@ -31903,9 +31903,18 @@
             </a:r>
           </a:p>
           <a:p>
+            <a:pPr algn="just"/>
             <a:r>
               <a:rPr lang="es-ES" dirty="0"/>
-              <a:t>La distancia administrativa se utiliza para determinar qué ruta se instala en la tabla de ruteo cuando la ruta se detecta de múltiples fuentes.</a:t>
+              <a:t>La </a:t>
+            </a:r>
+            <a:r>
+              <a:rPr lang="es-ES" b="1" dirty="0"/>
+              <a:t>distancia administrativa </a:t>
+            </a:r>
+            <a:r>
+              <a:rPr lang="es-ES" dirty="0"/>
+              <a:t>se utiliza para determinar qué ruta se instala en la tabla de ruteo cuando la ruta se detecta de múltiples fuentes.</a:t>
             </a:r>
           </a:p>
           <a:p>
@@ -32327,99 +32336,6 @@
       </p:sp>
       <p:sp>
         <p:nvSpPr>
-          <p:cNvPr id="7" name="TextBox 6"/>
-          <p:cNvSpPr txBox="1"/>
-          <p:nvPr/>
-        </p:nvSpPr>
-        <p:spPr>
-          <a:xfrm>
-            <a:off x="3549113" y="4595247"/>
-            <a:ext cx="5530152" cy="338554"/>
-          </a:xfrm>
-          <a:prstGeom prst="rect">
-            <a:avLst/>
-          </a:prstGeom>
-          <a:noFill/>
-        </p:spPr>
-        <p:txBody>
-          <a:bodyPr wrap="square" rtlCol="0">
-            <a:spAutoFit/>
-          </a:bodyPr>
-          <a:lstStyle/>
-          <a:p>
-            <a:r>
-              <a:rPr lang="es-ES" sz="800" dirty="0"/>
-              <a:t>El cargador original era Hugowolf en Wikipedia en inglés; se transfirió de en.wikipedia a Commons mediante DieBuche con CommonsHelper CC BY-SA 3.0 (https://commons.wikimedia.org/w/index.php?curid=10285606).</a:t>
-            </a:r>
-          </a:p>
-        </p:txBody>
-      </p:sp>
-      <p:pic>
-        <p:nvPicPr>
-          <p:cNvPr id="9" name="Picture 8"/>
-          <p:cNvPicPr>
-            <a:picLocks noChangeAspect="1"/>
-          </p:cNvPicPr>
-          <p:nvPr/>
-        </p:nvPicPr>
-        <p:blipFill rotWithShape="1">
-          <a:blip r:embed="rId5">
-            <a:extLst>
-              <a:ext uri="{28A0092B-C50C-407E-A947-70E740481C1C}">
-                <a14:useLocalDpi xmlns:a14="http://schemas.microsoft.com/office/drawing/2010/main" val="0"/>
-              </a:ext>
-            </a:extLst>
-          </a:blip>
-          <a:srcRect t="5405" b="38726"/>
-          <a:stretch/>
-        </p:blipFill>
-        <p:spPr>
-          <a:xfrm>
-            <a:off x="8310976" y="3029919"/>
-            <a:ext cx="489779" cy="410706"/>
-          </a:xfrm>
-          <a:prstGeom prst="rect">
-            <a:avLst/>
-          </a:prstGeom>
-        </p:spPr>
-      </p:pic>
-      <p:cxnSp>
-        <p:nvCxnSpPr>
-          <p:cNvPr id="23" name="Straight Arrow Connector 22"/>
-          <p:cNvCxnSpPr>
-            <a:stCxn id="9" idx="2"/>
-          </p:cNvCxnSpPr>
-          <p:nvPr/>
-        </p:nvCxnSpPr>
-        <p:spPr>
-          <a:xfrm>
-            <a:off x="8555866" y="3440625"/>
-            <a:ext cx="14699" cy="1170121"/>
-          </a:xfrm>
-          <a:prstGeom prst="straightConnector1">
-            <a:avLst/>
-          </a:prstGeom>
-          <a:ln>
-            <a:tailEnd type="triangle"/>
-          </a:ln>
-        </p:spPr>
-        <p:style>
-          <a:lnRef idx="1">
-            <a:schemeClr val="accent1"/>
-          </a:lnRef>
-          <a:fillRef idx="0">
-            <a:schemeClr val="accent1"/>
-          </a:fillRef>
-          <a:effectRef idx="0">
-            <a:schemeClr val="accent1"/>
-          </a:effectRef>
-          <a:fontRef idx="minor">
-            <a:schemeClr val="tx1"/>
-          </a:fontRef>
-        </p:style>
-      </p:cxnSp>
-      <p:sp>
-        <p:nvSpPr>
           <p:cNvPr id="24" name="TextBox 23"/>
           <p:cNvSpPr txBox="1"/>
           <p:nvPr/>
@@ -32748,7 +32664,7 @@
           <a:ln/>
           <a:extLst>
             <a:ext uri="{FAA26D3D-D897-4be2-8F04-BA451C77F1D7}">
-              <ma14:placeholderFlag xmlns:ma14="http://schemas.microsoft.com/office/mac/drawingml/2011/main" xmlns:mc="http://schemas.openxmlformats.org/markup-compatibility/2006" xmlns:a14="http://schemas.microsoft.com/office/drawing/2010/main" xmlns:c="http://schemas.openxmlformats.org/drawingml/2006/chart" xmlns:dgm="http://schemas.openxmlformats.org/drawingml/2006/diagram" xmlns:cdr="http://schemas.openxmlformats.org/drawingml/2006/chartDrawing" xmlns:wne="http://schemas.microsoft.com/office/powerpoint/2006/powerpointml" xmlns:wp="http://schemas.openxmlformats.org/drawingml/2006/powerpointprocessingDrawing" xmlns:v="urn:schemas-microsoft-com:vml" xmlns:o="urn:schemas-microsoft-com:office:office" xmlns="" val="1"/>
+              <ma14:placeholderFlag xmlns="" xmlns:o="urn:schemas-microsoft-com:office:office" xmlns:v="urn:schemas-microsoft-com:vml" xmlns:wp="http://schemas.openxmlformats.org/drawingml/2006/powerpointprocessingDrawing" xmlns:wne="http://schemas.microsoft.com/office/powerpoint/2006/powerpointml" xmlns:cdr="http://schemas.openxmlformats.org/drawingml/2006/chartDrawing" xmlns:dgm="http://schemas.openxmlformats.org/drawingml/2006/diagram" xmlns:c="http://schemas.openxmlformats.org/drawingml/2006/chart" xmlns:a14="http://schemas.microsoft.com/office/drawing/2010/main" xmlns:mc="http://schemas.openxmlformats.org/markup-compatibility/2006" xmlns:ma14="http://schemas.microsoft.com/office/mac/drawingml/2011/main" val="1"/>
             </a:ext>
           </a:extLst>
         </p:spPr>
@@ -33049,8 +32965,8 @@
         </p:nvSpPr>
         <p:spPr>
           <a:xfrm>
-            <a:off x="162733" y="809071"/>
-            <a:ext cx="5241606" cy="3757067"/>
+            <a:off x="162732" y="809071"/>
+            <a:ext cx="5347395" cy="3757067"/>
           </a:xfrm>
         </p:spPr>
         <p:txBody>
@@ -33059,27 +32975,13 @@
           <a:p>
             <a:r>
               <a:rPr lang="es-ES" dirty="0"/>
-              <a:t>Las ID de router se utilizan para identificar un router OSPF.</a:t>
+              <a:t>Los ID del router se utilizan para identificar un router OSPF.</a:t>
             </a:r>
           </a:p>
           <a:p>
             <a:r>
               <a:rPr lang="es-ES" dirty="0"/>
-              <a:t>Las ID de router tienen 32 bits de longitud tanto en OSPFv2 (IPv4) como en OSPFv3 (IPv6).</a:t>
-            </a:r>
-          </a:p>
-          <a:p>
-            <a:r>
-              <a:rPr lang="es-ES" dirty="0"/>
-              <a:t>Se utilizan en la elección del DR (</a:t>
-            </a:r>
-            <a:r>
-              <a:rPr lang="es-ES" dirty="0" err="1"/>
-              <a:t>Router</a:t>
-            </a:r>
-            <a:r>
-              <a:rPr lang="es-ES" dirty="0"/>
-              <a:t> designado).</a:t>
+              <a:t>Los ID del router tienen 32 bits de longitud tanto en OSPFv2 (IPv4) como en OSPFv3 (IPv6).</a:t>
             </a:r>
           </a:p>
           <a:p>
@@ -33132,7 +33034,7 @@
             </a:pPr>
             <a:r>
               <a:rPr lang="es-ES" dirty="0"/>
-              <a:t>Si no se configura una ID de router, se utiliza la </a:t>
+              <a:t>Si no se configura un ID del router, se utiliza la </a:t>
             </a:r>
             <a:r>
               <a:rPr lang="es-ES" b="1" dirty="0">
@@ -33192,278 +33094,6 @@
               <a:rPr lang="es-ES" spc="-30" dirty="0"/>
               <a:t>.</a:t>
             </a:r>
-          </a:p>
-        </p:txBody>
-      </p:sp>
-      <p:sp>
-        <p:nvSpPr>
-          <p:cNvPr id="6" name="Rectangle 34"/>
-          <p:cNvSpPr txBox="1">
-            <a:spLocks noChangeArrowheads="1"/>
-          </p:cNvSpPr>
-          <p:nvPr/>
-        </p:nvSpPr>
-        <p:spPr bwMode="auto">
-          <a:xfrm>
-            <a:off x="5621625" y="3359115"/>
-            <a:ext cx="3165914" cy="639448"/>
-          </a:xfrm>
-          <a:prstGeom prst="rect">
-            <a:avLst/>
-          </a:prstGeom>
-          <a:ln/>
-          <a:extLst>
-            <a:ext uri="{FAA26D3D-D897-4be2-8F04-BA451C77F1D7}">
-              <ma14:placeholderFlag xmlns:ma14="http://schemas.microsoft.com/office/mac/drawingml/2011/main" xmlns:mc="http://schemas.openxmlformats.org/markup-compatibility/2006" xmlns:a14="http://schemas.microsoft.com/office/drawing/2010/main" xmlns:c="http://schemas.openxmlformats.org/drawingml/2006/chart" xmlns:dgm="http://schemas.openxmlformats.org/drawingml/2006/diagram" xmlns:cdr="http://schemas.openxmlformats.org/drawingml/2006/chartDrawing" xmlns:wne="http://schemas.microsoft.com/office/powerpoint/2006/powerpointml" xmlns:wp="http://schemas.openxmlformats.org/drawingml/2006/powerpointprocessingDrawing" xmlns:v="urn:schemas-microsoft-com:vml" xmlns:o="urn:schemas-microsoft-com:office:office" xmlns="" val="1"/>
-            </a:ext>
-          </a:extLst>
-        </p:spPr>
-        <p:style>
-          <a:lnRef idx="0">
-            <a:schemeClr val="accent5"/>
-          </a:lnRef>
-          <a:fillRef idx="3">
-            <a:schemeClr val="accent5"/>
-          </a:fillRef>
-          <a:effectRef idx="3">
-            <a:schemeClr val="accent5"/>
-          </a:effectRef>
-          <a:fontRef idx="minor">
-            <a:schemeClr val="lt1"/>
-          </a:fontRef>
-        </p:style>
-        <p:txBody>
-          <a:bodyPr vert="horz" wrap="square" lIns="61593" tIns="30796" rIns="61593" bIns="30796" numCol="1" anchor="ctr" anchorCtr="0" compatLnSpc="1">
-            <a:prstTxWarp prst="textNoShape">
-              <a:avLst/>
-            </a:prstTxWarp>
-          </a:bodyPr>
-          <a:lstStyle>
-            <a:lvl1pPr marL="236538" indent="-236538" algn="l" defTabSz="814388" rtl="0" eaLnBrk="0" fontAlgn="base" hangingPunct="0">
-              <a:lnSpc>
-                <a:spcPct val="95000"/>
-              </a:lnSpc>
-              <a:spcBef>
-                <a:spcPct val="50000"/>
-              </a:spcBef>
-              <a:spcAft>
-                <a:spcPct val="0"/>
-              </a:spcAft>
-              <a:buClr>
-                <a:srgbClr val="708CA1"/>
-              </a:buClr>
-              <a:buFont typeface="Wingdings" charset="0"/>
-              <a:buChar char="§"/>
-              <a:defRPr sz="2400">
-                <a:solidFill>
-                  <a:schemeClr val="tx1"/>
-                </a:solidFill>
-                <a:latin typeface="+mn-lt"/>
-                <a:ea typeface="ＭＳ Ｐゴシック" charset="0"/>
-                <a:cs typeface="ＭＳ Ｐゴシック" charset="0"/>
-              </a:defRPr>
-            </a:lvl1pPr>
-            <a:lvl2pPr marL="574675" indent="-117475" algn="l" defTabSz="814388" rtl="0" eaLnBrk="0" fontAlgn="base" hangingPunct="0">
-              <a:lnSpc>
-                <a:spcPct val="95000"/>
-              </a:lnSpc>
-              <a:spcBef>
-                <a:spcPct val="35000"/>
-              </a:spcBef>
-              <a:spcAft>
-                <a:spcPct val="0"/>
-              </a:spcAft>
-              <a:buClr>
-                <a:srgbClr val="708CA1"/>
-              </a:buClr>
-              <a:defRPr sz="2000">
-                <a:solidFill>
-                  <a:schemeClr val="tx1"/>
-                </a:solidFill>
-                <a:latin typeface="+mn-lt"/>
-                <a:ea typeface="ＭＳ Ｐゴシック" charset="0"/>
-              </a:defRPr>
-            </a:lvl2pPr>
-            <a:lvl3pPr marL="914400" algn="l" defTabSz="814388" rtl="0" eaLnBrk="0" fontAlgn="base" hangingPunct="0">
-              <a:lnSpc>
-                <a:spcPct val="95000"/>
-              </a:lnSpc>
-              <a:spcBef>
-                <a:spcPct val="35000"/>
-              </a:spcBef>
-              <a:spcAft>
-                <a:spcPct val="0"/>
-              </a:spcAft>
-              <a:buClr>
-                <a:srgbClr val="708CA1"/>
-              </a:buClr>
-              <a:defRPr sz="2000">
-                <a:solidFill>
-                  <a:schemeClr val="tx1"/>
-                </a:solidFill>
-                <a:latin typeface="+mn-lt"/>
-                <a:ea typeface="ＭＳ Ｐゴシック" charset="0"/>
-              </a:defRPr>
-            </a:lvl3pPr>
-            <a:lvl4pPr marL="1254125" indent="117475" algn="l" defTabSz="814388" rtl="0" eaLnBrk="0" fontAlgn="base" hangingPunct="0">
-              <a:lnSpc>
-                <a:spcPct val="95000"/>
-              </a:lnSpc>
-              <a:spcBef>
-                <a:spcPct val="35000"/>
-              </a:spcBef>
-              <a:spcAft>
-                <a:spcPct val="0"/>
-              </a:spcAft>
-              <a:buClr>
-                <a:srgbClr val="708CA1"/>
-              </a:buClr>
-              <a:defRPr sz="2000">
-                <a:solidFill>
-                  <a:schemeClr val="tx1"/>
-                </a:solidFill>
-                <a:latin typeface="+mn-lt"/>
-                <a:ea typeface="ＭＳ Ｐゴシック" charset="0"/>
-              </a:defRPr>
-            </a:lvl4pPr>
-            <a:lvl5pPr marL="1604963" indent="223838" algn="l" defTabSz="814388" rtl="0" eaLnBrk="0" fontAlgn="base" hangingPunct="0">
-              <a:lnSpc>
-                <a:spcPct val="95000"/>
-              </a:lnSpc>
-              <a:spcBef>
-                <a:spcPct val="35000"/>
-              </a:spcBef>
-              <a:spcAft>
-                <a:spcPct val="0"/>
-              </a:spcAft>
-              <a:buClr>
-                <a:srgbClr val="708CA1"/>
-              </a:buClr>
-              <a:defRPr sz="2000">
-                <a:solidFill>
-                  <a:schemeClr val="tx1"/>
-                </a:solidFill>
-                <a:latin typeface="+mn-lt"/>
-                <a:ea typeface="ＭＳ Ｐゴシック" charset="0"/>
-              </a:defRPr>
-            </a:lvl5pPr>
-            <a:lvl6pPr marL="2062163" algn="l" defTabSz="814388" rtl="0" eaLnBrk="1" fontAlgn="base" hangingPunct="1">
-              <a:lnSpc>
-                <a:spcPct val="95000"/>
-              </a:lnSpc>
-              <a:spcBef>
-                <a:spcPct val="35000"/>
-              </a:spcBef>
-              <a:spcAft>
-                <a:spcPct val="0"/>
-              </a:spcAft>
-              <a:buClr>
-                <a:srgbClr val="708CA1"/>
-              </a:buClr>
-              <a:defRPr sz="2000">
-                <a:solidFill>
-                  <a:schemeClr val="tx1"/>
-                </a:solidFill>
-                <a:latin typeface="+mn-lt"/>
-              </a:defRPr>
-            </a:lvl6pPr>
-            <a:lvl7pPr marL="2519363" algn="l" defTabSz="814388" rtl="0" eaLnBrk="1" fontAlgn="base" hangingPunct="1">
-              <a:lnSpc>
-                <a:spcPct val="95000"/>
-              </a:lnSpc>
-              <a:spcBef>
-                <a:spcPct val="35000"/>
-              </a:spcBef>
-              <a:spcAft>
-                <a:spcPct val="0"/>
-              </a:spcAft>
-              <a:buClr>
-                <a:srgbClr val="708CA1"/>
-              </a:buClr>
-              <a:defRPr sz="2000">
-                <a:solidFill>
-                  <a:schemeClr val="tx1"/>
-                </a:solidFill>
-                <a:latin typeface="+mn-lt"/>
-              </a:defRPr>
-            </a:lvl7pPr>
-            <a:lvl8pPr marL="2976563" algn="l" defTabSz="814388" rtl="0" eaLnBrk="1" fontAlgn="base" hangingPunct="1">
-              <a:lnSpc>
-                <a:spcPct val="95000"/>
-              </a:lnSpc>
-              <a:spcBef>
-                <a:spcPct val="35000"/>
-              </a:spcBef>
-              <a:spcAft>
-                <a:spcPct val="0"/>
-              </a:spcAft>
-              <a:buClr>
-                <a:srgbClr val="708CA1"/>
-              </a:buClr>
-              <a:defRPr sz="2000">
-                <a:solidFill>
-                  <a:schemeClr val="tx1"/>
-                </a:solidFill>
-                <a:latin typeface="+mn-lt"/>
-              </a:defRPr>
-            </a:lvl8pPr>
-            <a:lvl9pPr marL="3433763" algn="l" defTabSz="814388" rtl="0" eaLnBrk="1" fontAlgn="base" hangingPunct="1">
-              <a:lnSpc>
-                <a:spcPct val="95000"/>
-              </a:lnSpc>
-              <a:spcBef>
-                <a:spcPct val="35000"/>
-              </a:spcBef>
-              <a:spcAft>
-                <a:spcPct val="0"/>
-              </a:spcAft>
-              <a:buClr>
-                <a:srgbClr val="708CA1"/>
-              </a:buClr>
-              <a:defRPr sz="2000">
-                <a:solidFill>
-                  <a:schemeClr val="tx1"/>
-                </a:solidFill>
-                <a:latin typeface="+mn-lt"/>
-              </a:defRPr>
-            </a:lvl9pPr>
-          </a:lstStyle>
-          <a:p>
-            <a:pPr marL="0" indent="0" algn="ctr" eaLnBrk="1" hangingPunct="1">
-              <a:spcBef>
-                <a:spcPct val="30000"/>
-              </a:spcBef>
-              <a:buNone/>
-            </a:pPr>
-            <a:r>
-              <a:rPr lang="es-ES" sz="1200" b="1" kern="0" dirty="0">
-                <a:solidFill>
-                  <a:schemeClr val="accent1"/>
-                </a:solidFill>
-              </a:rPr>
-              <a:t>Si se utiliza una dirección de </a:t>
-            </a:r>
-            <a:r>
-              <a:rPr lang="es-ES" sz="1200" b="1" kern="0" dirty="0" err="1">
-                <a:solidFill>
-                  <a:schemeClr val="accent1"/>
-                </a:solidFill>
-              </a:rPr>
-              <a:t>loopback</a:t>
-            </a:r>
-            <a:r>
-              <a:rPr lang="es-ES" sz="1200" b="1" kern="0" dirty="0">
-                <a:solidFill>
-                  <a:schemeClr val="accent1"/>
-                </a:solidFill>
-              </a:rPr>
-              <a:t>, ¡no enrute esta red con la instrucción network!</a:t>
-            </a:r>
-            <a:endParaRPr lang="es-ES" sz="1500" b="1" kern="0" dirty="0">
-              <a:solidFill>
-                <a:schemeClr val="accent1"/>
-              </a:solidFill>
-            </a:endParaRPr>
           </a:p>
         </p:txBody>
       </p:sp>
@@ -33483,7 +33113,7 @@
         </p:blipFill>
         <p:spPr>
           <a:xfrm>
-            <a:off x="5510128" y="581186"/>
+            <a:off x="5455986" y="984244"/>
             <a:ext cx="3443845" cy="2609527"/>
           </a:xfrm>
           <a:prstGeom prst="rect">
